--- a/slides/HOVANVY-102190200.pptx
+++ b/slides/HOVANVY-102190200.pptx
@@ -24,30 +24,30 @@
   <p:notesSz cx="6858000" cy="9144000"/>
   <p:embeddedFontLst>
     <p:embeddedFont>
-      <p:font typeface="Lora" charset="0"/>
+      <p:font typeface="Quattrocento Sans" charset="0"/>
       <p:regular r:id="rId14"/>
       <p:bold r:id="rId15"/>
       <p:italic r:id="rId16"/>
       <p:boldItalic r:id="rId17"/>
     </p:embeddedFont>
     <p:embeddedFont>
-      <p:font typeface="Cambria Math" pitchFamily="18" charset="0"/>
+      <p:font typeface="Maven Pro" charset="0"/>
       <p:regular r:id="rId18"/>
-    </p:embeddedFont>
-    <p:embeddedFont>
-      <p:font typeface="Segoe UI Semibold" pitchFamily="34" charset="0"/>
       <p:bold r:id="rId19"/>
     </p:embeddedFont>
     <p:embeddedFont>
-      <p:font typeface="Quattrocento Sans" charset="0"/>
+      <p:font typeface="Lora" charset="0"/>
       <p:regular r:id="rId20"/>
       <p:bold r:id="rId21"/>
       <p:italic r:id="rId22"/>
       <p:boldItalic r:id="rId23"/>
     </p:embeddedFont>
     <p:embeddedFont>
-      <p:font typeface="Maven Pro" charset="0"/>
+      <p:font typeface="Cambria Math" pitchFamily="18" charset="0"/>
       <p:regular r:id="rId24"/>
+    </p:embeddedFont>
+    <p:embeddedFont>
+      <p:font typeface="Segoe UI Semibold" pitchFamily="34" charset="0"/>
       <p:bold r:id="rId25"/>
     </p:embeddedFont>
   </p:embeddedFontLst>
@@ -264,7 +264,7 @@
   </p:defaultTextStyle>
   <p:extLst>
     <p:ext uri="{EFAFB233-063F-42B5-8137-9DF3F51BA10A}">
-      <p15:sldGuideLst xmlns:p15="http://schemas.microsoft.com/office/powerpoint/2012/main" xmlns=""/>
+      <p15:sldGuideLst xmlns="" xmlns:p15="http://schemas.microsoft.com/office/powerpoint/2012/main"/>
     </p:ext>
   </p:extLst>
 </p:presentation>
@@ -3616,7 +3616,7 @@
         <p:spPr>
           <a:xfrm>
             <a:off x="9144" y="79056"/>
-            <a:ext cx="9134856" cy="830997"/>
+            <a:ext cx="9134856" cy="584775"/>
           </a:xfrm>
           <a:prstGeom prst="rect">
             <a:avLst/>
@@ -3637,11 +3637,8 @@
                 </a:solidFill>
                 <a:latin typeface="Segoe UI Semibold" pitchFamily="34" charset="0"/>
               </a:rPr>
-              <a:t>ĐẠI HỌC ĐÀ NẴNG</a:t>
+              <a:t>TRƯỜNG </a:t>
             </a:r>
-          </a:p>
-          <a:p>
-            <a:pPr algn="ctr"/>
             <a:r>
               <a:rPr lang="en-US" sz="1600" smtClean="0">
                 <a:solidFill>
@@ -3649,7 +3646,7 @@
                 </a:solidFill>
                 <a:latin typeface="Segoe UI Semibold" pitchFamily="34" charset="0"/>
               </a:rPr>
-              <a:t>TRƯỜNG ĐẠI HỌC BÁCH KHOA</a:t>
+              <a:t>ĐẠI HỌC BÁCH KHOA</a:t>
             </a:r>
           </a:p>
           <a:p>
@@ -8259,7 +8256,22 @@
           <a:p>
             <a:r>
               <a:rPr lang="en-US" smtClean="0"/>
-              <a:t>THUẬT TOÁN – SÀNG ERATOSTHENES</a:t>
+              <a:t>THUẬT TOÁN </a:t>
+            </a:r>
+            <a:r>
+              <a:rPr lang="en-US"/>
+              <a:t/>
+            </a:r>
+            <a:br>
+              <a:rPr lang="en-US"/>
+            </a:br>
+            <a:r>
+              <a:rPr lang="en-US" smtClean="0"/>
+              <a:t>SÀNG </a:t>
+            </a:r>
+            <a:r>
+              <a:rPr lang="en-US" smtClean="0"/>
+              <a:t>ERATOSTHENES</a:t>
             </a:r>
             <a:endParaRPr lang="en-US"/>
           </a:p>
@@ -9193,7 +9205,22 @@
           <a:p>
             <a:r>
               <a:rPr lang="en-US"/>
-              <a:t>THUẬT TOÁN – SÀNG ERATOSTHENES</a:t>
+              <a:t>THUẬT TOÁN </a:t>
+            </a:r>
+            <a:r>
+              <a:rPr lang="en-US"/>
+              <a:t/>
+            </a:r>
+            <a:br>
+              <a:rPr lang="en-US"/>
+            </a:br>
+            <a:r>
+              <a:rPr lang="en-US" smtClean="0"/>
+              <a:t>SÀNG </a:t>
+            </a:r>
+            <a:r>
+              <a:rPr lang="en-US"/>
+              <a:t>ERATOSTHENES</a:t>
             </a:r>
           </a:p>
         </p:txBody>

--- a/slides/HOVANVY-102190200.pptx
+++ b/slides/HOVANVY-102190200.pptx
@@ -24,27 +24,27 @@
   <p:notesSz cx="6858000" cy="9144000"/>
   <p:embeddedFontLst>
     <p:embeddedFont>
-      <p:font typeface="Quattrocento Sans" charset="0"/>
+      <p:font typeface="Maven Pro" charset="0"/>
       <p:regular r:id="rId14"/>
       <p:bold r:id="rId15"/>
-      <p:italic r:id="rId16"/>
-      <p:boldItalic r:id="rId17"/>
     </p:embeddedFont>
     <p:embeddedFont>
-      <p:font typeface="Maven Pro" charset="0"/>
-      <p:regular r:id="rId18"/>
-      <p:bold r:id="rId19"/>
+      <p:font typeface="Cambria Math" pitchFamily="18" charset="0"/>
+      <p:regular r:id="rId16"/>
     </p:embeddedFont>
     <p:embeddedFont>
       <p:font typeface="Lora" charset="0"/>
-      <p:regular r:id="rId20"/>
-      <p:bold r:id="rId21"/>
-      <p:italic r:id="rId22"/>
-      <p:boldItalic r:id="rId23"/>
+      <p:regular r:id="rId17"/>
+      <p:bold r:id="rId18"/>
+      <p:italic r:id="rId19"/>
+      <p:boldItalic r:id="rId20"/>
     </p:embeddedFont>
     <p:embeddedFont>
-      <p:font typeface="Cambria Math" pitchFamily="18" charset="0"/>
-      <p:regular r:id="rId24"/>
+      <p:font typeface="Quattrocento Sans" charset="0"/>
+      <p:regular r:id="rId21"/>
+      <p:bold r:id="rId22"/>
+      <p:italic r:id="rId23"/>
+      <p:boldItalic r:id="rId24"/>
     </p:embeddedFont>
     <p:embeddedFont>
       <p:font typeface="Segoe UI Semibold" pitchFamily="34" charset="0"/>
@@ -264,7 +264,7 @@
   </p:defaultTextStyle>
   <p:extLst>
     <p:ext uri="{EFAFB233-063F-42B5-8137-9DF3F51BA10A}">
-      <p15:sldGuideLst xmlns="" xmlns:p15="http://schemas.microsoft.com/office/powerpoint/2012/main"/>
+      <p15:sldGuideLst xmlns:p15="http://schemas.microsoft.com/office/powerpoint/2012/main" xmlns=""/>
     </p:ext>
   </p:extLst>
 </p:presentation>
@@ -3637,16 +3637,7 @@
                 </a:solidFill>
                 <a:latin typeface="Segoe UI Semibold" pitchFamily="34" charset="0"/>
               </a:rPr>
-              <a:t>TRƯỜNG </a:t>
-            </a:r>
-            <a:r>
-              <a:rPr lang="en-US" sz="1600" smtClean="0">
-                <a:solidFill>
-                  <a:schemeClr val="tx1"/>
-                </a:solidFill>
-                <a:latin typeface="Segoe UI Semibold" pitchFamily="34" charset="0"/>
-              </a:rPr>
-              <a:t>ĐẠI HỌC BÁCH KHOA</a:t>
+              <a:t>TRƯỜNG ĐẠI HỌC BÁCH KHOA</a:t>
             </a:r>
           </a:p>
           <a:p>
@@ -3677,8 +3668,8 @@
         </p:nvSpPr>
         <p:spPr>
           <a:xfrm>
-            <a:off x="0" y="3874282"/>
-            <a:ext cx="9144000" cy="584775"/>
+            <a:off x="5559552" y="3874282"/>
+            <a:ext cx="3566160" cy="584775"/>
           </a:xfrm>
           <a:prstGeom prst="rect">
             <a:avLst/>
@@ -3707,11 +3698,8 @@
                 </a:solidFill>
                 <a:latin typeface="Segoe UI Semibold" pitchFamily="34" charset="0"/>
               </a:rPr>
-              <a:t>                                                     SV     : Hồ Văn Vy</a:t>
+              <a:t>SVTH  </a:t>
             </a:r>
-          </a:p>
-          <a:p>
-            <a:pPr algn="ctr"/>
             <a:r>
               <a:rPr lang="en-US" sz="1600" smtClean="0">
                 <a:solidFill>
@@ -3719,7 +3707,36 @@
                 </a:solidFill>
                 <a:latin typeface="Segoe UI Semibold" pitchFamily="34" charset="0"/>
               </a:rPr>
-              <a:t> GVHD: ThS. Nguyễn Văn Nguyên</a:t>
+              <a:t>: Hồ Văn Vy</a:t>
+            </a:r>
+          </a:p>
+          <a:p>
+            <a:r>
+              <a:rPr lang="en-US" sz="1600" smtClean="0">
+                <a:solidFill>
+                  <a:schemeClr val="tx1"/>
+                </a:solidFill>
+                <a:latin typeface="Segoe UI Semibold" pitchFamily="34" charset="0"/>
+              </a:rPr>
+              <a:t> </a:t>
+            </a:r>
+            <a:r>
+              <a:rPr lang="en-US" sz="1600" smtClean="0">
+                <a:solidFill>
+                  <a:schemeClr val="tx1"/>
+                </a:solidFill>
+                <a:latin typeface="Segoe UI Semibold" pitchFamily="34" charset="0"/>
+              </a:rPr>
+              <a:t>GVHD : </a:t>
+            </a:r>
+            <a:r>
+              <a:rPr lang="en-US" sz="1600" smtClean="0">
+                <a:solidFill>
+                  <a:schemeClr val="tx1"/>
+                </a:solidFill>
+                <a:latin typeface="Segoe UI Semibold" pitchFamily="34" charset="0"/>
+              </a:rPr>
+              <a:t>ThS. Nguyễn Văn Nguyên</a:t>
             </a:r>
             <a:endParaRPr lang="en-US" sz="1600">
               <a:solidFill>
@@ -8267,11 +8284,7 @@
             </a:br>
             <a:r>
               <a:rPr lang="en-US" smtClean="0"/>
-              <a:t>SÀNG </a:t>
-            </a:r>
-            <a:r>
-              <a:rPr lang="en-US" smtClean="0"/>
-              <a:t>ERATOSTHENES</a:t>
+              <a:t>SÀNG ERATOSTHENES</a:t>
             </a:r>
             <a:endParaRPr lang="en-US"/>
           </a:p>
@@ -9206,10 +9219,6 @@
             <a:r>
               <a:rPr lang="en-US"/>
               <a:t>THUẬT TOÁN </a:t>
-            </a:r>
-            <a:r>
-              <a:rPr lang="en-US"/>
-              <a:t/>
             </a:r>
             <a:br>
               <a:rPr lang="en-US"/>
